--- a/icons/notes basic/템플릿.pptx
+++ b/icons/notes basic/템플릿.pptx
@@ -3418,10 +3418,10 @@
           </p:nvGrpSpPr>
           <p:grpSpPr>
             <a:xfrm>
-              <a:off x="772160" y="1956600"/>
-              <a:ext cx="10763774" cy="2942032"/>
-              <a:chOff x="705345" y="1956600"/>
-              <a:chExt cx="9832390" cy="2942032"/>
+              <a:off x="1325537" y="2111871"/>
+              <a:ext cx="9719075" cy="2631490"/>
+              <a:chOff x="1210838" y="2111871"/>
+              <a:chExt cx="8878087" cy="2631490"/>
             </a:xfrm>
           </p:grpSpPr>
           <p:pic>
@@ -3452,8 +3452,8 @@
             </p:blipFill>
             <p:spPr>
               <a:xfrm>
-                <a:off x="705345" y="1956600"/>
-                <a:ext cx="2942032" cy="2942032"/>
+                <a:off x="1210838" y="2194645"/>
+                <a:ext cx="2468709" cy="2468710"/>
               </a:xfrm>
               <a:prstGeom prst="rect">
                 <a:avLst/>
@@ -3474,8 +3474,8 @@
             </p:nvSpPr>
             <p:spPr>
               <a:xfrm>
-                <a:off x="4441578" y="1959366"/>
-                <a:ext cx="6096157" cy="2939266"/>
+                <a:off x="4890383" y="2111871"/>
+                <a:ext cx="5198542" cy="2631490"/>
               </a:xfrm>
               <a:prstGeom prst="rect">
                 <a:avLst/>
@@ -3490,28 +3490,28 @@
               <a:p>
                 <a:pPr algn="ctr"/>
                 <a:r>
-                  <a:rPr lang="ko-KR" altLang="en-US" sz="4500" b="1" dirty="0" err="1">
+                  <a:rPr lang="ko-KR" altLang="en-US" sz="4000" b="1" dirty="0" err="1">
                     <a:latin typeface="아리따-부리(OTF)-Light" panose="02020603020101020101" pitchFamily="18" charset="-127"/>
                     <a:ea typeface="아리따-부리(OTF)-Light" panose="02020603020101020101" pitchFamily="18" charset="-127"/>
                   </a:rPr>
                   <a:t>일랑</a:t>
                 </a:r>
                 <a:r>
-                  <a:rPr lang="ko-KR" altLang="en-US" sz="4500" b="1" dirty="0">
+                  <a:rPr lang="ko-KR" altLang="en-US" sz="4000" b="1" dirty="0">
                     <a:latin typeface="아리따-부리(OTF)-Light" panose="02020603020101020101" pitchFamily="18" charset="-127"/>
                     <a:ea typeface="아리따-부리(OTF)-Light" panose="02020603020101020101" pitchFamily="18" charset="-127"/>
                   </a:rPr>
                   <a:t> </a:t>
                 </a:r>
                 <a:r>
-                  <a:rPr lang="ko-KR" altLang="en-US" sz="4500" b="1" dirty="0" err="1">
+                  <a:rPr lang="ko-KR" altLang="en-US" sz="4000" b="1" dirty="0" err="1">
                     <a:latin typeface="아리따-부리(OTF)-Light" panose="02020603020101020101" pitchFamily="18" charset="-127"/>
                     <a:ea typeface="아리따-부리(OTF)-Light" panose="02020603020101020101" pitchFamily="18" charset="-127"/>
                   </a:rPr>
                   <a:t>일랑</a:t>
                 </a:r>
                 <a:r>
-                  <a:rPr lang="en-US" altLang="ko-KR" sz="3500" dirty="0">
+                  <a:rPr lang="en-US" altLang="ko-KR" sz="4000" dirty="0">
                     <a:latin typeface="아리따-부리(OTF)-Light" panose="02020603020101020101" pitchFamily="18" charset="-127"/>
                     <a:ea typeface="아리따-부리(OTF)-Light" panose="02020603020101020101" pitchFamily="18" charset="-127"/>
                   </a:rPr>
@@ -3528,35 +3528,35 @@
               <a:p>
                 <a:pPr algn="ctr"/>
                 <a:r>
-                  <a:rPr lang="ko-KR" altLang="en-US" sz="3500" b="1" dirty="0">
+                  <a:rPr lang="ko-KR" altLang="en-US" sz="3000" b="1" dirty="0">
                     <a:latin typeface="아리따-부리(OTF)-Light" panose="02020603020101020101" pitchFamily="18" charset="-127"/>
                     <a:ea typeface="아리따-부리(OTF)-Light" panose="02020603020101020101" pitchFamily="18" charset="-127"/>
                   </a:rPr>
                   <a:t>황홀</a:t>
                 </a:r>
                 <a:r>
-                  <a:rPr lang="ko-KR" altLang="en-US" sz="3500" dirty="0">
+                  <a:rPr lang="ko-KR" altLang="en-US" sz="3000" dirty="0">
                     <a:latin typeface="아리따-부리(OTF)-Light" panose="02020603020101020101" pitchFamily="18" charset="-127"/>
                     <a:ea typeface="아리따-부리(OTF)-Light" panose="02020603020101020101" pitchFamily="18" charset="-127"/>
                   </a:rPr>
                   <a:t>하고 </a:t>
                 </a:r>
                 <a:r>
-                  <a:rPr lang="ko-KR" altLang="en-US" sz="3500" b="1" dirty="0">
+                  <a:rPr lang="ko-KR" altLang="en-US" sz="3000" b="1" dirty="0">
                     <a:latin typeface="아리따-부리(OTF)-Light" panose="02020603020101020101" pitchFamily="18" charset="-127"/>
                     <a:ea typeface="아리따-부리(OTF)-Light" panose="02020603020101020101" pitchFamily="18" charset="-127"/>
                   </a:rPr>
                   <a:t>관능적</a:t>
                 </a:r>
                 <a:r>
-                  <a:rPr lang="ko-KR" altLang="en-US" sz="3500" dirty="0">
+                  <a:rPr lang="ko-KR" altLang="en-US" sz="3000" dirty="0">
                     <a:latin typeface="아리따-부리(OTF)-Light" panose="02020603020101020101" pitchFamily="18" charset="-127"/>
                     <a:ea typeface="아리따-부리(OTF)-Light" panose="02020603020101020101" pitchFamily="18" charset="-127"/>
                   </a:rPr>
                   <a:t>이며</a:t>
                 </a:r>
                 <a:r>
-                  <a:rPr lang="en-US" altLang="ko-KR" sz="3500" dirty="0">
+                  <a:rPr lang="en-US" altLang="ko-KR" sz="3000" dirty="0">
                     <a:latin typeface="아리따-부리(OTF)-Light" panose="02020603020101020101" pitchFamily="18" charset="-127"/>
                     <a:ea typeface="아리따-부리(OTF)-Light" panose="02020603020101020101" pitchFamily="18" charset="-127"/>
                   </a:rPr>
@@ -3566,20 +3566,20 @@
               <a:p>
                 <a:pPr algn="ctr"/>
                 <a:r>
-                  <a:rPr lang="ko-KR" altLang="en-US" sz="3500" b="1" dirty="0">
+                  <a:rPr lang="ko-KR" altLang="en-US" sz="3000" b="1" dirty="0">
                     <a:latin typeface="아리따-부리(OTF)-Light" panose="02020603020101020101" pitchFamily="18" charset="-127"/>
                     <a:ea typeface="아리따-부리(OTF)-Light" panose="02020603020101020101" pitchFamily="18" charset="-127"/>
                   </a:rPr>
                   <a:t>이국적인 정원의 밤</a:t>
                 </a:r>
                 <a:r>
-                  <a:rPr lang="ko-KR" altLang="en-US" sz="3500" dirty="0">
+                  <a:rPr lang="ko-KR" altLang="en-US" sz="3000" dirty="0">
                     <a:latin typeface="아리따-부리(OTF)-Light" panose="02020603020101020101" pitchFamily="18" charset="-127"/>
                     <a:ea typeface="아리따-부리(OTF)-Light" panose="02020603020101020101" pitchFamily="18" charset="-127"/>
                   </a:rPr>
                   <a:t>을 연상시키는 </a:t>
                 </a:r>
-                <a:endParaRPr lang="en-US" altLang="ko-KR" sz="3500" dirty="0">
+                <a:endParaRPr lang="en-US" altLang="ko-KR" sz="3000" dirty="0">
                   <a:latin typeface="아리따-부리(OTF)-Light" panose="02020603020101020101" pitchFamily="18" charset="-127"/>
                   <a:ea typeface="아리따-부리(OTF)-Light" panose="02020603020101020101" pitchFamily="18" charset="-127"/>
                 </a:endParaRPr>
@@ -3587,21 +3587,21 @@
               <a:p>
                 <a:pPr algn="ctr"/>
                 <a:r>
-                  <a:rPr lang="ko-KR" altLang="en-US" sz="3500" b="1" dirty="0">
+                  <a:rPr lang="ko-KR" altLang="en-US" sz="3000" b="1" dirty="0">
                     <a:latin typeface="아리따-부리(OTF)-Light" panose="02020603020101020101" pitchFamily="18" charset="-127"/>
                     <a:ea typeface="아리따-부리(OTF)-Light" panose="02020603020101020101" pitchFamily="18" charset="-127"/>
                   </a:rPr>
                   <a:t>달콤</a:t>
                 </a:r>
                 <a:r>
-                  <a:rPr lang="ko-KR" altLang="en-US" sz="3500" dirty="0">
+                  <a:rPr lang="ko-KR" altLang="en-US" sz="3000" dirty="0">
                     <a:latin typeface="아리따-부리(OTF)-Light" panose="02020603020101020101" pitchFamily="18" charset="-127"/>
                     <a:ea typeface="아리따-부리(OTF)-Light" panose="02020603020101020101" pitchFamily="18" charset="-127"/>
                   </a:rPr>
                   <a:t>하고 </a:t>
                 </a:r>
                 <a:r>
-                  <a:rPr lang="ko-KR" altLang="en-US" sz="3500" b="1" dirty="0">
+                  <a:rPr lang="ko-KR" altLang="en-US" sz="3000" b="1" dirty="0">
                     <a:latin typeface="아리따-부리(OTF)-Light" panose="02020603020101020101" pitchFamily="18" charset="-127"/>
                     <a:ea typeface="아리따-부리(OTF)-Light" panose="02020603020101020101" pitchFamily="18" charset="-127"/>
                   </a:rPr>

--- a/icons/notes basic/템플릿.pptx
+++ b/icons/notes basic/템플릿.pptx
@@ -6,6 +6,8 @@
   </p:sldMasterIdLst>
   <p:sldIdLst>
     <p:sldId id="256" r:id="rId2"/>
+    <p:sldId id="258" r:id="rId3"/>
+    <p:sldId id="259" r:id="rId4"/>
   </p:sldIdLst>
   <p:sldSz cx="12192000" cy="6858000"/>
   <p:notesSz cx="6858000" cy="9144000"/>
@@ -3625,6 +3627,758 @@
 </p:sld>
 </file>
 
+<file path=ppt/slides/slide2.xml><?xml version="1.0" encoding="utf-8"?>
+<p:sld xmlns:a="http://schemas.openxmlformats.org/drawingml/2006/main" xmlns:r="http://schemas.openxmlformats.org/officeDocument/2006/relationships" xmlns:p="http://schemas.openxmlformats.org/presentationml/2006/main">
+  <p:cSld>
+    <p:spTree>
+      <p:nvGrpSpPr>
+        <p:cNvPr id="1" name=""/>
+        <p:cNvGrpSpPr/>
+        <p:nvPr/>
+      </p:nvGrpSpPr>
+      <p:grpSpPr>
+        <a:xfrm>
+          <a:off x="0" y="0"/>
+          <a:ext cx="0" cy="0"/>
+          <a:chOff x="0" y="0"/>
+          <a:chExt cx="0" cy="0"/>
+        </a:xfrm>
+      </p:grpSpPr>
+      <p:grpSp>
+        <p:nvGrpSpPr>
+          <p:cNvPr id="10" name="그룹 9">
+            <a:extLst>
+              <a:ext uri="{FF2B5EF4-FFF2-40B4-BE49-F238E27FC236}">
+                <a16:creationId xmlns:a16="http://schemas.microsoft.com/office/drawing/2014/main" id="{DEF4E0CE-BA6E-D0D5-C3CC-ABB4F8287E71}"/>
+              </a:ext>
+            </a:extLst>
+          </p:cNvPr>
+          <p:cNvGrpSpPr/>
+          <p:nvPr/>
+        </p:nvGrpSpPr>
+        <p:grpSpPr>
+          <a:xfrm>
+            <a:off x="1" y="1898361"/>
+            <a:ext cx="12192000" cy="3058510"/>
+            <a:chOff x="1" y="1898361"/>
+            <a:chExt cx="12192000" cy="3058510"/>
+          </a:xfrm>
+        </p:grpSpPr>
+        <p:grpSp>
+          <p:nvGrpSpPr>
+            <p:cNvPr id="9" name="그룹 8">
+              <a:extLst>
+                <a:ext uri="{FF2B5EF4-FFF2-40B4-BE49-F238E27FC236}">
+                  <a16:creationId xmlns:a16="http://schemas.microsoft.com/office/drawing/2014/main" id="{788BE509-90C7-2847-458D-44734B9D8409}"/>
+                </a:ext>
+              </a:extLst>
+            </p:cNvPr>
+            <p:cNvGrpSpPr/>
+            <p:nvPr/>
+          </p:nvGrpSpPr>
+          <p:grpSpPr>
+            <a:xfrm>
+              <a:off x="1" y="1898361"/>
+              <a:ext cx="12192000" cy="3058510"/>
+              <a:chOff x="1" y="1898361"/>
+              <a:chExt cx="12192000" cy="3058510"/>
+            </a:xfrm>
+          </p:grpSpPr>
+          <p:sp>
+            <p:nvSpPr>
+              <p:cNvPr id="7" name="사각형: 둥근 모서리 6">
+                <a:extLst>
+                  <a:ext uri="{FF2B5EF4-FFF2-40B4-BE49-F238E27FC236}">
+                    <a16:creationId xmlns:a16="http://schemas.microsoft.com/office/drawing/2014/main" id="{840DE1C1-6492-F3AA-E1F5-5B9FC33D40D2}"/>
+                  </a:ext>
+                </a:extLst>
+              </p:cNvPr>
+              <p:cNvSpPr/>
+              <p:nvPr/>
+            </p:nvSpPr>
+            <p:spPr>
+              <a:xfrm>
+                <a:off x="1" y="1898361"/>
+                <a:ext cx="12192000" cy="3058510"/>
+              </a:xfrm>
+              <a:prstGeom prst="roundRect">
+                <a:avLst>
+                  <a:gd name="adj" fmla="val 12131"/>
+                </a:avLst>
+              </a:prstGeom>
+              <a:solidFill>
+                <a:schemeClr val="bg1"/>
+              </a:solidFill>
+              <a:ln w="12700">
+                <a:solidFill>
+                  <a:schemeClr val="bg2">
+                    <a:lumMod val="90000"/>
+                  </a:schemeClr>
+                </a:solidFill>
+              </a:ln>
+            </p:spPr>
+            <p:style>
+              <a:lnRef idx="2">
+                <a:schemeClr val="accent1">
+                  <a:shade val="15000"/>
+                </a:schemeClr>
+              </a:lnRef>
+              <a:fillRef idx="1">
+                <a:schemeClr val="accent1"/>
+              </a:fillRef>
+              <a:effectRef idx="0">
+                <a:schemeClr val="accent1"/>
+              </a:effectRef>
+              <a:fontRef idx="minor">
+                <a:schemeClr val="lt1"/>
+              </a:fontRef>
+            </p:style>
+            <p:txBody>
+              <a:bodyPr rtlCol="0" anchor="ctr"/>
+              <a:lstStyle/>
+              <a:p>
+                <a:pPr algn="ctr"/>
+                <a:endParaRPr lang="ko-KR" altLang="en-US"/>
+              </a:p>
+            </p:txBody>
+          </p:sp>
+          <p:grpSp>
+            <p:nvGrpSpPr>
+              <p:cNvPr id="2" name="그룹 1">
+                <a:extLst>
+                  <a:ext uri="{FF2B5EF4-FFF2-40B4-BE49-F238E27FC236}">
+                    <a16:creationId xmlns:a16="http://schemas.microsoft.com/office/drawing/2014/main" id="{7C21639F-99FA-FD3F-8DF5-39155E6B80CC}"/>
+                  </a:ext>
+                </a:extLst>
+              </p:cNvPr>
+              <p:cNvGrpSpPr/>
+              <p:nvPr/>
+            </p:nvGrpSpPr>
+            <p:grpSpPr>
+              <a:xfrm>
+                <a:off x="1325537" y="2111871"/>
+                <a:ext cx="9259814" cy="2631490"/>
+                <a:chOff x="1210838" y="2111871"/>
+                <a:chExt cx="8458566" cy="2631490"/>
+              </a:xfrm>
+            </p:grpSpPr>
+            <p:pic>
+              <p:nvPicPr>
+                <p:cNvPr id="5" name="그림 4" descr="식물, 꽃, 노랑이(가) 표시된 사진&#10;&#10;자동 생성된 설명">
+                  <a:extLst>
+                    <a:ext uri="{FF2B5EF4-FFF2-40B4-BE49-F238E27FC236}">
+                      <a16:creationId xmlns:a16="http://schemas.microsoft.com/office/drawing/2014/main" id="{694E0CB3-62E8-7568-35D1-BDD6D3DE54A5}"/>
+                    </a:ext>
+                  </a:extLst>
+                </p:cNvPr>
+                <p:cNvPicPr>
+                  <a:picLocks noChangeAspect="1"/>
+                </p:cNvPicPr>
+                <p:nvPr/>
+              </p:nvPicPr>
+              <p:blipFill>
+                <a:blip r:embed="rId2">
+                  <a:extLst>
+                    <a:ext uri="{28A0092B-C50C-407E-A947-70E740481C1C}">
+                      <a14:useLocalDpi xmlns:a14="http://schemas.microsoft.com/office/drawing/2010/main" val="0"/>
+                    </a:ext>
+                  </a:extLst>
+                </a:blip>
+                <a:stretch>
+                  <a:fillRect/>
+                </a:stretch>
+              </p:blipFill>
+              <p:spPr>
+                <a:xfrm>
+                  <a:off x="1210838" y="2194645"/>
+                  <a:ext cx="2468709" cy="2468710"/>
+                </a:xfrm>
+                <a:prstGeom prst="rect">
+                  <a:avLst/>
+                </a:prstGeom>
+              </p:spPr>
+            </p:pic>
+            <p:sp>
+              <p:nvSpPr>
+                <p:cNvPr id="6" name="TextBox 5">
+                  <a:extLst>
+                    <a:ext uri="{FF2B5EF4-FFF2-40B4-BE49-F238E27FC236}">
+                      <a16:creationId xmlns:a16="http://schemas.microsoft.com/office/drawing/2014/main" id="{9A454263-8DAA-17A8-E7CD-7591651D5D0D}"/>
+                    </a:ext>
+                  </a:extLst>
+                </p:cNvPr>
+                <p:cNvSpPr txBox="1"/>
+                <p:nvPr/>
+              </p:nvSpPr>
+              <p:spPr>
+                <a:xfrm>
+                  <a:off x="5309903" y="2111871"/>
+                  <a:ext cx="4359501" cy="2631490"/>
+                </a:xfrm>
+                <a:prstGeom prst="rect">
+                  <a:avLst/>
+                </a:prstGeom>
+                <a:noFill/>
+              </p:spPr>
+              <p:txBody>
+                <a:bodyPr wrap="none" rtlCol="0">
+                  <a:spAutoFit/>
+                </a:bodyPr>
+                <a:lstStyle/>
+                <a:p>
+                  <a:pPr algn="ctr"/>
+                  <a:r>
+                    <a:rPr lang="ko-KR" altLang="en-US" sz="4000" b="1" dirty="0" err="1">
+                      <a:latin typeface="아리따-부리(OTF)-Light" panose="02020603020101020101" pitchFamily="18" charset="-127"/>
+                      <a:ea typeface="아리따-부리(OTF)-Light" panose="02020603020101020101" pitchFamily="18" charset="-127"/>
+                    </a:rPr>
+                    <a:t>베르가못</a:t>
+                  </a:r>
+                  <a:r>
+                    <a:rPr lang="en-US" altLang="ko-KR" sz="4000" dirty="0">
+                      <a:latin typeface="아리따-부리(OTF)-Light" panose="02020603020101020101" pitchFamily="18" charset="-127"/>
+                      <a:ea typeface="아리따-부리(OTF)-Light" panose="02020603020101020101" pitchFamily="18" charset="-127"/>
+                    </a:rPr>
+                    <a:t>:</a:t>
+                  </a:r>
+                </a:p>
+                <a:p>
+                  <a:pPr algn="ctr"/>
+                  <a:endParaRPr lang="en-US" altLang="ko-KR" sz="3500" dirty="0">
+                    <a:latin typeface="아리따-부리(OTF)-Light" panose="02020603020101020101" pitchFamily="18" charset="-127"/>
+                    <a:ea typeface="아리따-부리(OTF)-Light" panose="02020603020101020101" pitchFamily="18" charset="-127"/>
+                  </a:endParaRPr>
+                </a:p>
+                <a:p>
+                  <a:pPr algn="ctr"/>
+                  <a:r>
+                    <a:rPr lang="ko-KR" altLang="en-US" sz="3000" b="1" dirty="0">
+                      <a:latin typeface="아리따-부리(OTF)-Light" panose="02020603020101020101" pitchFamily="18" charset="-127"/>
+                      <a:ea typeface="아리따-부리(OTF)-Light" panose="02020603020101020101" pitchFamily="18" charset="-127"/>
+                    </a:rPr>
+                    <a:t>상쾌하고 </a:t>
+                  </a:r>
+                  <a:r>
+                    <a:rPr lang="ko-KR" altLang="en-US" sz="3000" b="1" dirty="0" err="1">
+                      <a:latin typeface="아리따-부리(OTF)-Light" panose="02020603020101020101" pitchFamily="18" charset="-127"/>
+                      <a:ea typeface="아리따-부리(OTF)-Light" panose="02020603020101020101" pitchFamily="18" charset="-127"/>
+                    </a:rPr>
+                    <a:t>시트러스하며</a:t>
+                  </a:r>
+                  <a:r>
+                    <a:rPr lang="en-US" altLang="ko-KR" sz="3000" b="1" dirty="0">
+                      <a:latin typeface="아리따-부리(OTF)-Light" panose="02020603020101020101" pitchFamily="18" charset="-127"/>
+                      <a:ea typeface="아리따-부리(OTF)-Light" panose="02020603020101020101" pitchFamily="18" charset="-127"/>
+                    </a:rPr>
+                    <a:t>, </a:t>
+                  </a:r>
+                </a:p>
+                <a:p>
+                  <a:pPr algn="ctr"/>
+                  <a:r>
+                    <a:rPr lang="ko-KR" altLang="en-US" sz="3000" b="1" dirty="0">
+                      <a:latin typeface="아리따-부리(OTF)-Light" panose="02020603020101020101" pitchFamily="18" charset="-127"/>
+                      <a:ea typeface="아리따-부리(OTF)-Light" panose="02020603020101020101" pitchFamily="18" charset="-127"/>
+                    </a:rPr>
+                    <a:t>살짝 쓴듯한 </a:t>
+                  </a:r>
+                  <a:r>
+                    <a:rPr lang="ko-KR" altLang="en-US" sz="3000" b="1" dirty="0" err="1">
+                      <a:latin typeface="아리따-부리(OTF)-Light" panose="02020603020101020101" pitchFamily="18" charset="-127"/>
+                      <a:ea typeface="아리따-부리(OTF)-Light" panose="02020603020101020101" pitchFamily="18" charset="-127"/>
+                    </a:rPr>
+                    <a:t>플로럴</a:t>
+                  </a:r>
+                  <a:r>
+                    <a:rPr lang="ko-KR" altLang="en-US" sz="3000" b="1" dirty="0">
+                      <a:latin typeface="아리따-부리(OTF)-Light" panose="02020603020101020101" pitchFamily="18" charset="-127"/>
+                      <a:ea typeface="아리따-부리(OTF)-Light" panose="02020603020101020101" pitchFamily="18" charset="-127"/>
+                    </a:rPr>
+                    <a:t> 노트가 </a:t>
+                  </a:r>
+                  <a:endParaRPr lang="en-US" altLang="ko-KR" sz="3000" b="1" dirty="0">
+                    <a:latin typeface="아리따-부리(OTF)-Light" panose="02020603020101020101" pitchFamily="18" charset="-127"/>
+                    <a:ea typeface="아리따-부리(OTF)-Light" panose="02020603020101020101" pitchFamily="18" charset="-127"/>
+                  </a:endParaRPr>
+                </a:p>
+                <a:p>
+                  <a:pPr algn="ctr"/>
+                  <a:r>
+                    <a:rPr lang="ko-KR" altLang="en-US" sz="3000" b="1" dirty="0">
+                      <a:latin typeface="아리따-부리(OTF)-Light" panose="02020603020101020101" pitchFamily="18" charset="-127"/>
+                      <a:ea typeface="아리따-부리(OTF)-Light" panose="02020603020101020101" pitchFamily="18" charset="-127"/>
+                    </a:rPr>
+                    <a:t>더해진 우아한 느낌</a:t>
+                  </a:r>
+                </a:p>
+              </p:txBody>
+            </p:sp>
+          </p:grpSp>
+        </p:grpSp>
+        <p:pic>
+          <p:nvPicPr>
+            <p:cNvPr id="1026" name="Picture 2" descr="스트레스를 해소하고 마음을 밝혀주는 향기, 베르가못">
+              <a:extLst>
+                <a:ext uri="{FF2B5EF4-FFF2-40B4-BE49-F238E27FC236}">
+                  <a16:creationId xmlns:a16="http://schemas.microsoft.com/office/drawing/2014/main" id="{D6AD066D-9E7A-DBC6-E1F6-3BF4993A7151}"/>
+                </a:ext>
+              </a:extLst>
+            </p:cNvPr>
+            <p:cNvPicPr>
+              <a:picLocks noChangeAspect="1" noChangeArrowheads="1"/>
+            </p:cNvPicPr>
+            <p:nvPr/>
+          </p:nvPicPr>
+          <p:blipFill rotWithShape="1">
+            <a:blip r:embed="rId3">
+              <a:extLst>
+                <a:ext uri="{28A0092B-C50C-407E-A947-70E740481C1C}">
+                  <a14:useLocalDpi xmlns:a14="http://schemas.microsoft.com/office/drawing/2010/main" val="0"/>
+                </a:ext>
+              </a:extLst>
+            </a:blip>
+            <a:srcRect b="21621"/>
+            <a:stretch/>
+          </p:blipFill>
+          <p:spPr bwMode="auto">
+            <a:xfrm>
+              <a:off x="981956" y="1929891"/>
+              <a:ext cx="3389722" cy="2656812"/>
+            </a:xfrm>
+            <a:prstGeom prst="rect">
+              <a:avLst/>
+            </a:prstGeom>
+            <a:noFill/>
+            <a:extLst>
+              <a:ext uri="{909E8E84-426E-40DD-AFC4-6F175D3DCCD1}">
+                <a14:hiddenFill xmlns:a14="http://schemas.microsoft.com/office/drawing/2010/main">
+                  <a:solidFill>
+                    <a:srgbClr val="FFFFFF"/>
+                  </a:solidFill>
+                </a14:hiddenFill>
+              </a:ext>
+            </a:extLst>
+          </p:spPr>
+        </p:pic>
+      </p:grpSp>
+    </p:spTree>
+    <p:extLst>
+      <p:ext uri="{BB962C8B-B14F-4D97-AF65-F5344CB8AC3E}">
+        <p14:creationId xmlns:p14="http://schemas.microsoft.com/office/powerpoint/2010/main" val="507405397"/>
+      </p:ext>
+    </p:extLst>
+  </p:cSld>
+  <p:clrMapOvr>
+    <a:masterClrMapping/>
+  </p:clrMapOvr>
+</p:sld>
+</file>
+
+<file path=ppt/slides/slide3.xml><?xml version="1.0" encoding="utf-8"?>
+<p:sld xmlns:a="http://schemas.openxmlformats.org/drawingml/2006/main" xmlns:r="http://schemas.openxmlformats.org/officeDocument/2006/relationships" xmlns:p="http://schemas.openxmlformats.org/presentationml/2006/main">
+  <p:cSld>
+    <p:spTree>
+      <p:nvGrpSpPr>
+        <p:cNvPr id="1" name=""/>
+        <p:cNvGrpSpPr/>
+        <p:nvPr/>
+      </p:nvGrpSpPr>
+      <p:grpSpPr>
+        <a:xfrm>
+          <a:off x="0" y="0"/>
+          <a:ext cx="0" cy="0"/>
+          <a:chOff x="0" y="0"/>
+          <a:chExt cx="0" cy="0"/>
+        </a:xfrm>
+      </p:grpSpPr>
+      <p:grpSp>
+        <p:nvGrpSpPr>
+          <p:cNvPr id="3" name="그룹 2">
+            <a:extLst>
+              <a:ext uri="{FF2B5EF4-FFF2-40B4-BE49-F238E27FC236}">
+                <a16:creationId xmlns:a16="http://schemas.microsoft.com/office/drawing/2014/main" id="{8EBBE368-6517-C122-619F-D71208362001}"/>
+              </a:ext>
+            </a:extLst>
+          </p:cNvPr>
+          <p:cNvGrpSpPr/>
+          <p:nvPr/>
+        </p:nvGrpSpPr>
+        <p:grpSpPr>
+          <a:xfrm>
+            <a:off x="1" y="1898361"/>
+            <a:ext cx="12192000" cy="3058510"/>
+            <a:chOff x="1" y="1898361"/>
+            <a:chExt cx="12192000" cy="3058510"/>
+          </a:xfrm>
+        </p:grpSpPr>
+        <p:grpSp>
+          <p:nvGrpSpPr>
+            <p:cNvPr id="10" name="그룹 9">
+              <a:extLst>
+                <a:ext uri="{FF2B5EF4-FFF2-40B4-BE49-F238E27FC236}">
+                  <a16:creationId xmlns:a16="http://schemas.microsoft.com/office/drawing/2014/main" id="{DEF4E0CE-BA6E-D0D5-C3CC-ABB4F8287E71}"/>
+                </a:ext>
+              </a:extLst>
+            </p:cNvPr>
+            <p:cNvGrpSpPr/>
+            <p:nvPr/>
+          </p:nvGrpSpPr>
+          <p:grpSpPr>
+            <a:xfrm>
+              <a:off x="1" y="1898361"/>
+              <a:ext cx="12192000" cy="3058510"/>
+              <a:chOff x="1" y="1898361"/>
+              <a:chExt cx="12192000" cy="3058510"/>
+            </a:xfrm>
+          </p:grpSpPr>
+          <p:grpSp>
+            <p:nvGrpSpPr>
+              <p:cNvPr id="9" name="그룹 8">
+                <a:extLst>
+                  <a:ext uri="{FF2B5EF4-FFF2-40B4-BE49-F238E27FC236}">
+                    <a16:creationId xmlns:a16="http://schemas.microsoft.com/office/drawing/2014/main" id="{788BE509-90C7-2847-458D-44734B9D8409}"/>
+                  </a:ext>
+                </a:extLst>
+              </p:cNvPr>
+              <p:cNvGrpSpPr/>
+              <p:nvPr/>
+            </p:nvGrpSpPr>
+            <p:grpSpPr>
+              <a:xfrm>
+                <a:off x="1" y="1898361"/>
+                <a:ext cx="12192000" cy="3058510"/>
+                <a:chOff x="1" y="1898361"/>
+                <a:chExt cx="12192000" cy="3058510"/>
+              </a:xfrm>
+            </p:grpSpPr>
+            <p:sp>
+              <p:nvSpPr>
+                <p:cNvPr id="7" name="사각형: 둥근 모서리 6">
+                  <a:extLst>
+                    <a:ext uri="{FF2B5EF4-FFF2-40B4-BE49-F238E27FC236}">
+                      <a16:creationId xmlns:a16="http://schemas.microsoft.com/office/drawing/2014/main" id="{840DE1C1-6492-F3AA-E1F5-5B9FC33D40D2}"/>
+                    </a:ext>
+                  </a:extLst>
+                </p:cNvPr>
+                <p:cNvSpPr/>
+                <p:nvPr/>
+              </p:nvSpPr>
+              <p:spPr>
+                <a:xfrm>
+                  <a:off x="1" y="1898361"/>
+                  <a:ext cx="12192000" cy="3058510"/>
+                </a:xfrm>
+                <a:prstGeom prst="roundRect">
+                  <a:avLst>
+                    <a:gd name="adj" fmla="val 12131"/>
+                  </a:avLst>
+                </a:prstGeom>
+                <a:solidFill>
+                  <a:schemeClr val="bg1"/>
+                </a:solidFill>
+                <a:ln w="12700">
+                  <a:solidFill>
+                    <a:schemeClr val="bg2">
+                      <a:lumMod val="90000"/>
+                    </a:schemeClr>
+                  </a:solidFill>
+                </a:ln>
+              </p:spPr>
+              <p:style>
+                <a:lnRef idx="2">
+                  <a:schemeClr val="accent1">
+                    <a:shade val="15000"/>
+                  </a:schemeClr>
+                </a:lnRef>
+                <a:fillRef idx="1">
+                  <a:schemeClr val="accent1"/>
+                </a:fillRef>
+                <a:effectRef idx="0">
+                  <a:schemeClr val="accent1"/>
+                </a:effectRef>
+                <a:fontRef idx="minor">
+                  <a:schemeClr val="lt1"/>
+                </a:fontRef>
+              </p:style>
+              <p:txBody>
+                <a:bodyPr rtlCol="0" anchor="ctr"/>
+                <a:lstStyle/>
+                <a:p>
+                  <a:pPr algn="ctr"/>
+                  <a:endParaRPr lang="ko-KR" altLang="en-US"/>
+                </a:p>
+              </p:txBody>
+            </p:sp>
+            <p:grpSp>
+              <p:nvGrpSpPr>
+                <p:cNvPr id="2" name="그룹 1">
+                  <a:extLst>
+                    <a:ext uri="{FF2B5EF4-FFF2-40B4-BE49-F238E27FC236}">
+                      <a16:creationId xmlns:a16="http://schemas.microsoft.com/office/drawing/2014/main" id="{7C21639F-99FA-FD3F-8DF5-39155E6B80CC}"/>
+                    </a:ext>
+                  </a:extLst>
+                </p:cNvPr>
+                <p:cNvGrpSpPr/>
+                <p:nvPr/>
+              </p:nvGrpSpPr>
+              <p:grpSpPr>
+                <a:xfrm>
+                  <a:off x="1325537" y="2111871"/>
+                  <a:ext cx="8755672" cy="2631490"/>
+                  <a:chOff x="1210838" y="2111871"/>
+                  <a:chExt cx="7998047" cy="2631490"/>
+                </a:xfrm>
+              </p:grpSpPr>
+              <p:pic>
+                <p:nvPicPr>
+                  <p:cNvPr id="5" name="그림 4" descr="식물, 꽃, 노랑이(가) 표시된 사진&#10;&#10;자동 생성된 설명">
+                    <a:extLst>
+                      <a:ext uri="{FF2B5EF4-FFF2-40B4-BE49-F238E27FC236}">
+                        <a16:creationId xmlns:a16="http://schemas.microsoft.com/office/drawing/2014/main" id="{694E0CB3-62E8-7568-35D1-BDD6D3DE54A5}"/>
+                      </a:ext>
+                    </a:extLst>
+                  </p:cNvPr>
+                  <p:cNvPicPr>
+                    <a:picLocks noChangeAspect="1"/>
+                  </p:cNvPicPr>
+                  <p:nvPr/>
+                </p:nvPicPr>
+                <p:blipFill>
+                  <a:blip r:embed="rId2">
+                    <a:extLst>
+                      <a:ext uri="{28A0092B-C50C-407E-A947-70E740481C1C}">
+                        <a14:useLocalDpi xmlns:a14="http://schemas.microsoft.com/office/drawing/2010/main" val="0"/>
+                      </a:ext>
+                    </a:extLst>
+                  </a:blip>
+                  <a:stretch>
+                    <a:fillRect/>
+                  </a:stretch>
+                </p:blipFill>
+                <p:spPr>
+                  <a:xfrm>
+                    <a:off x="1210838" y="2194645"/>
+                    <a:ext cx="2468709" cy="2468710"/>
+                  </a:xfrm>
+                  <a:prstGeom prst="rect">
+                    <a:avLst/>
+                  </a:prstGeom>
+                </p:spPr>
+              </p:pic>
+              <p:sp>
+                <p:nvSpPr>
+                  <p:cNvPr id="6" name="TextBox 5">
+                    <a:extLst>
+                      <a:ext uri="{FF2B5EF4-FFF2-40B4-BE49-F238E27FC236}">
+                        <a16:creationId xmlns:a16="http://schemas.microsoft.com/office/drawing/2014/main" id="{9A454263-8DAA-17A8-E7CD-7591651D5D0D}"/>
+                      </a:ext>
+                    </a:extLst>
+                  </p:cNvPr>
+                  <p:cNvSpPr txBox="1"/>
+                  <p:nvPr/>
+                </p:nvSpPr>
+                <p:spPr>
+                  <a:xfrm>
+                    <a:off x="5770425" y="2111871"/>
+                    <a:ext cx="3438460" cy="2631490"/>
+                  </a:xfrm>
+                  <a:prstGeom prst="rect">
+                    <a:avLst/>
+                  </a:prstGeom>
+                  <a:noFill/>
+                </p:spPr>
+                <p:txBody>
+                  <a:bodyPr wrap="none" rtlCol="0">
+                    <a:spAutoFit/>
+                  </a:bodyPr>
+                  <a:lstStyle/>
+                  <a:p>
+                    <a:pPr algn="ctr"/>
+                    <a:r>
+                      <a:rPr lang="ko-KR" altLang="en-US" sz="4000" b="1" dirty="0">
+                        <a:latin typeface="아리따-부리(OTF)-Light" panose="02020603020101020101" pitchFamily="18" charset="-127"/>
+                        <a:ea typeface="아리따-부리(OTF)-Light" panose="02020603020101020101" pitchFamily="18" charset="-127"/>
+                      </a:rPr>
+                      <a:t>레몬</a:t>
+                    </a:r>
+                    <a:r>
+                      <a:rPr lang="en-US" altLang="ko-KR" sz="4000" dirty="0">
+                        <a:latin typeface="아리따-부리(OTF)-Light" panose="02020603020101020101" pitchFamily="18" charset="-127"/>
+                        <a:ea typeface="아리따-부리(OTF)-Light" panose="02020603020101020101" pitchFamily="18" charset="-127"/>
+                      </a:rPr>
+                      <a:t>:</a:t>
+                    </a:r>
+                  </a:p>
+                  <a:p>
+                    <a:pPr algn="ctr"/>
+                    <a:endParaRPr lang="en-US" altLang="ko-KR" sz="3500" dirty="0">
+                      <a:latin typeface="아리따-부리(OTF)-Light" panose="02020603020101020101" pitchFamily="18" charset="-127"/>
+                      <a:ea typeface="아리따-부리(OTF)-Light" panose="02020603020101020101" pitchFamily="18" charset="-127"/>
+                    </a:endParaRPr>
+                  </a:p>
+                  <a:p>
+                    <a:pPr algn="ctr"/>
+                    <a:r>
+                      <a:rPr lang="ko-KR" altLang="en-US" sz="3000" b="1" dirty="0">
+                        <a:latin typeface="아리따-부리(OTF)-Light" panose="02020603020101020101" pitchFamily="18" charset="-127"/>
+                        <a:ea typeface="아리따-부리(OTF)-Light" panose="02020603020101020101" pitchFamily="18" charset="-127"/>
+                      </a:rPr>
+                      <a:t>톡 쏘고 신선하며</a:t>
+                    </a:r>
+                    <a:r>
+                      <a:rPr lang="en-US" altLang="ko-KR" sz="3000" b="1" dirty="0">
+                        <a:latin typeface="아리따-부리(OTF)-Light" panose="02020603020101020101" pitchFamily="18" charset="-127"/>
+                        <a:ea typeface="아리따-부리(OTF)-Light" panose="02020603020101020101" pitchFamily="18" charset="-127"/>
+                      </a:rPr>
+                      <a:t>, </a:t>
+                    </a:r>
+                  </a:p>
+                  <a:p>
+                    <a:pPr algn="ctr"/>
+                    <a:r>
+                      <a:rPr lang="ko-KR" altLang="en-US" sz="3000" b="1" dirty="0">
+                        <a:latin typeface="아리따-부리(OTF)-Light" panose="02020603020101020101" pitchFamily="18" charset="-127"/>
+                        <a:ea typeface="아리따-부리(OTF)-Light" panose="02020603020101020101" pitchFamily="18" charset="-127"/>
+                      </a:rPr>
+                      <a:t>기분을 환기시키는 </a:t>
+                    </a:r>
+                    <a:endParaRPr lang="en-US" altLang="ko-KR" sz="3000" b="1" dirty="0">
+                      <a:latin typeface="아리따-부리(OTF)-Light" panose="02020603020101020101" pitchFamily="18" charset="-127"/>
+                      <a:ea typeface="아리따-부리(OTF)-Light" panose="02020603020101020101" pitchFamily="18" charset="-127"/>
+                    </a:endParaRPr>
+                  </a:p>
+                  <a:p>
+                    <a:pPr algn="ctr"/>
+                    <a:r>
+                      <a:rPr lang="ko-KR" altLang="en-US" sz="3000" b="1" dirty="0">
+                        <a:latin typeface="아리따-부리(OTF)-Light" panose="02020603020101020101" pitchFamily="18" charset="-127"/>
+                        <a:ea typeface="아리따-부리(OTF)-Light" panose="02020603020101020101" pitchFamily="18" charset="-127"/>
+                      </a:rPr>
+                      <a:t>밝고 깨끗한 </a:t>
+                    </a:r>
+                    <a:r>
+                      <a:rPr lang="ko-KR" altLang="en-US" sz="3000" b="1" dirty="0" err="1">
+                        <a:latin typeface="아리따-부리(OTF)-Light" panose="02020603020101020101" pitchFamily="18" charset="-127"/>
+                        <a:ea typeface="아리따-부리(OTF)-Light" panose="02020603020101020101" pitchFamily="18" charset="-127"/>
+                      </a:rPr>
+                      <a:t>시트러스</a:t>
+                    </a:r>
+                    <a:endParaRPr lang="ko-KR" altLang="en-US" sz="3000" b="1" dirty="0">
+                      <a:latin typeface="아리따-부리(OTF)-Light" panose="02020603020101020101" pitchFamily="18" charset="-127"/>
+                      <a:ea typeface="아리따-부리(OTF)-Light" panose="02020603020101020101" pitchFamily="18" charset="-127"/>
+                    </a:endParaRPr>
+                  </a:p>
+                </p:txBody>
+              </p:sp>
+            </p:grpSp>
+          </p:grpSp>
+          <p:pic>
+            <p:nvPicPr>
+              <p:cNvPr id="1026" name="Picture 2" descr="스트레스를 해소하고 마음을 밝혀주는 향기, 베르가못">
+                <a:extLst>
+                  <a:ext uri="{FF2B5EF4-FFF2-40B4-BE49-F238E27FC236}">
+                    <a16:creationId xmlns:a16="http://schemas.microsoft.com/office/drawing/2014/main" id="{D6AD066D-9E7A-DBC6-E1F6-3BF4993A7151}"/>
+                  </a:ext>
+                </a:extLst>
+              </p:cNvPr>
+              <p:cNvPicPr>
+                <a:picLocks noChangeAspect="1" noChangeArrowheads="1"/>
+              </p:cNvPicPr>
+              <p:nvPr/>
+            </p:nvPicPr>
+            <p:blipFill rotWithShape="1">
+              <a:blip r:embed="rId3">
+                <a:extLst>
+                  <a:ext uri="{28A0092B-C50C-407E-A947-70E740481C1C}">
+                    <a14:useLocalDpi xmlns:a14="http://schemas.microsoft.com/office/drawing/2010/main" val="0"/>
+                  </a:ext>
+                </a:extLst>
+              </a:blip>
+              <a:srcRect b="21621"/>
+              <a:stretch/>
+            </p:blipFill>
+            <p:spPr bwMode="auto">
+              <a:xfrm>
+                <a:off x="981956" y="1929891"/>
+                <a:ext cx="3389722" cy="2656812"/>
+              </a:xfrm>
+              <a:prstGeom prst="rect">
+                <a:avLst/>
+              </a:prstGeom>
+              <a:noFill/>
+              <a:extLst>
+                <a:ext uri="{909E8E84-426E-40DD-AFC4-6F175D3DCCD1}">
+                  <a14:hiddenFill xmlns:a14="http://schemas.microsoft.com/office/drawing/2010/main">
+                    <a:solidFill>
+                      <a:srgbClr val="FFFFFF"/>
+                    </a:solidFill>
+                  </a14:hiddenFill>
+                </a:ext>
+              </a:extLst>
+            </p:spPr>
+          </p:pic>
+        </p:grpSp>
+        <p:pic>
+          <p:nvPicPr>
+            <p:cNvPr id="2050" name="Picture 2" descr="강아지도 레몬 먹어도 될까?">
+              <a:extLst>
+                <a:ext uri="{FF2B5EF4-FFF2-40B4-BE49-F238E27FC236}">
+                  <a16:creationId xmlns:a16="http://schemas.microsoft.com/office/drawing/2014/main" id="{38F6C5BC-29D2-41AB-DFE3-EE481255F77C}"/>
+                </a:ext>
+              </a:extLst>
+            </p:cNvPr>
+            <p:cNvPicPr>
+              <a:picLocks noChangeAspect="1" noChangeArrowheads="1"/>
+            </p:cNvPicPr>
+            <p:nvPr/>
+          </p:nvPicPr>
+          <p:blipFill>
+            <a:blip r:embed="rId4">
+              <a:extLst>
+                <a:ext uri="{28A0092B-C50C-407E-A947-70E740481C1C}">
+                  <a14:useLocalDpi xmlns:a14="http://schemas.microsoft.com/office/drawing/2010/main" val="0"/>
+                </a:ext>
+              </a:extLst>
+            </a:blip>
+            <a:srcRect/>
+            <a:stretch>
+              <a:fillRect/>
+            </a:stretch>
+          </p:blipFill>
+          <p:spPr bwMode="auto">
+            <a:xfrm>
+              <a:off x="634091" y="1951629"/>
+              <a:ext cx="4442894" cy="2964298"/>
+            </a:xfrm>
+            <a:prstGeom prst="rect">
+              <a:avLst/>
+            </a:prstGeom>
+            <a:noFill/>
+            <a:extLst>
+              <a:ext uri="{909E8E84-426E-40DD-AFC4-6F175D3DCCD1}">
+                <a14:hiddenFill xmlns:a14="http://schemas.microsoft.com/office/drawing/2010/main">
+                  <a:solidFill>
+                    <a:srgbClr val="FFFFFF"/>
+                  </a:solidFill>
+                </a14:hiddenFill>
+              </a:ext>
+            </a:extLst>
+          </p:spPr>
+        </p:pic>
+      </p:grpSp>
+    </p:spTree>
+    <p:extLst>
+      <p:ext uri="{BB962C8B-B14F-4D97-AF65-F5344CB8AC3E}">
+        <p14:creationId xmlns:p14="http://schemas.microsoft.com/office/powerpoint/2010/main" val="553207560"/>
+      </p:ext>
+    </p:extLst>
+  </p:cSld>
+  <p:clrMapOvr>
+    <a:masterClrMapping/>
+  </p:clrMapOvr>
+</p:sld>
+</file>
+
 <file path=ppt/theme/theme1.xml><?xml version="1.0" encoding="utf-8"?>
 <a:theme xmlns:a="http://schemas.openxmlformats.org/drawingml/2006/main" name="Office 테마">
   <a:themeElements>
